--- a/Programming with C#/5. C# Data Structures and Algorithms/08. Recursion/Recursion.pptx
+++ b/Programming with C#/5. C# Data Structures and Algorithms/08. Recursion/Recursion.pptx
@@ -334,7 +334,7 @@
             <a:fld id="{3BF7C7B5-275F-4D1F-9AB4-9255447DBC73}" type="datetimeFigureOut">
               <a:rPr lang="en-US"/>
               <a:pPr/>
-              <a:t>11.06.2013</a:t>
+              <a:t>8/27/2014</a:t>
             </a:fld>
             <a:endParaRPr lang="en-US" dirty="0"/>
           </a:p>
@@ -565,7 +565,7 @@
             <a:fld id="{9B46F231-FB2B-4655-A644-E2477325E686}" type="datetimeFigureOut">
               <a:rPr lang="en-US"/>
               <a:pPr/>
-              <a:t>11.06.2013</a:t>
+              <a:t>8/27/2014</a:t>
             </a:fld>
             <a:endParaRPr lang="en-US" dirty="0"/>
           </a:p>
@@ -31445,32 +31445,10 @@
             </a:r>
             <a:r>
               <a:rPr lang="en-US" dirty="0" smtClean="0"/>
-              <a:t>methods (see this example: </a:t>
-            </a:r>
-            <a:r>
-              <a:rPr lang="en-US" dirty="0" smtClean="0">
-                <a:hlinkClick r:id="rId2"/>
-              </a:rPr>
-              <a:t>http</a:t>
-            </a:r>
-            <a:r>
-              <a:rPr lang="en-US" dirty="0">
-                <a:hlinkClick r:id="rId2"/>
-              </a:rPr>
-              <a:t>://www.nakov.com/blog/2013/01/23</a:t>
-            </a:r>
-            <a:r>
-              <a:rPr lang="en-US" dirty="0" smtClean="0">
-                <a:hlinkClick r:id="rId2"/>
-              </a:rPr>
-              <a:t>/</a:t>
-            </a:r>
-            <a:r>
-              <a:rPr lang="en-US" dirty="0" smtClean="0"/>
-              <a:t>)</a:t>
+              <a:t>methods</a:t>
             </a:r>
             <a:endParaRPr lang="bg-BG" dirty="0" smtClean="0">
-              <a:hlinkClick r:id="rId3"/>
+              <a:hlinkClick r:id="rId2"/>
             </a:endParaRPr>
           </a:p>
           <a:p>
@@ -31555,7 +31533,7 @@
           <p:nvPr/>
         </p:nvPicPr>
         <p:blipFill>
-          <a:blip r:embed="rId4" cstate="screen"/>
+          <a:blip r:embed="rId3" cstate="screen"/>
           <a:srcRect/>
           <a:stretch>
             <a:fillRect/>

--- a/Programming with C#/5. C# Data Structures and Algorithms/08. Recursion/Recursion.pptx
+++ b/Programming with C#/5. C# Data Structures and Algorithms/08. Recursion/Recursion.pptx
@@ -334,7 +334,7 @@
             <a:fld id="{3BF7C7B5-275F-4D1F-9AB4-9255447DBC73}" type="datetimeFigureOut">
               <a:rPr lang="en-US"/>
               <a:pPr/>
-              <a:t>8/27/2014</a:t>
+              <a:t>8/29/2014</a:t>
             </a:fld>
             <a:endParaRPr lang="en-US" dirty="0"/>
           </a:p>
@@ -565,7 +565,7 @@
             <a:fld id="{9B46F231-FB2B-4655-A644-E2477325E686}" type="datetimeFigureOut">
               <a:rPr lang="en-US"/>
               <a:pPr/>
-              <a:t>8/27/2014</a:t>
+              <a:t>8/29/2014</a:t>
             </a:fld>
             <a:endParaRPr lang="en-US" dirty="0"/>
           </a:p>
@@ -6892,158 +6892,10 @@
           </a:extLst>
         </p:spPr>
       </p:pic>
-      <p:sp>
-        <p:nvSpPr>
-          <p:cNvPr id="14" name="Text Placeholder 4"/>
-          <p:cNvSpPr>
-            <a:spLocks noGrp="1"/>
-          </p:cNvSpPr>
-          <p:nvPr>
-            <p:ph type="body" sz="quarter" idx="10"/>
-          </p:nvPr>
-        </p:nvSpPr>
-        <p:spPr>
-          <a:xfrm>
-            <a:off x="419099" y="4572000"/>
-            <a:ext cx="3853295" cy="533400"/>
-          </a:xfrm>
-        </p:spPr>
-        <p:txBody>
-          <a:bodyPr/>
-          <a:lstStyle/>
-          <a:p>
-            <a:r>
-              <a:rPr lang="en-US" dirty="0" smtClean="0"/>
-              <a:t>Svetlin Nakov</a:t>
-            </a:r>
-            <a:endParaRPr lang="en-US" dirty="0"/>
-          </a:p>
-        </p:txBody>
-      </p:sp>
-      <p:sp>
-        <p:nvSpPr>
-          <p:cNvPr id="15" name="Text Placeholder 5"/>
-          <p:cNvSpPr>
-            <a:spLocks noGrp="1"/>
-          </p:cNvSpPr>
-          <p:nvPr>
-            <p:ph type="body" sz="quarter" idx="11"/>
-          </p:nvPr>
-        </p:nvSpPr>
-        <p:spPr>
-          <a:xfrm>
-            <a:off x="457200" y="5833646"/>
-            <a:ext cx="3810000" cy="369332"/>
-          </a:xfrm>
-        </p:spPr>
-        <p:txBody>
-          <a:bodyPr/>
-          <a:lstStyle/>
-          <a:p>
-            <a:r>
-              <a:rPr lang="en-US" dirty="0" smtClean="0"/>
-              <a:t>Telerik Software Academy</a:t>
-            </a:r>
-            <a:endParaRPr lang="en-US" dirty="0"/>
-          </a:p>
-        </p:txBody>
-      </p:sp>
-      <p:sp>
-        <p:nvSpPr>
-          <p:cNvPr id="16" name="Text Placeholder 6"/>
-          <p:cNvSpPr>
-            <a:spLocks noGrp="1"/>
-          </p:cNvSpPr>
-          <p:nvPr>
-            <p:ph type="body" sz="quarter" idx="12"/>
-          </p:nvPr>
-        </p:nvSpPr>
-        <p:spPr>
-          <a:xfrm>
-            <a:off x="457200" y="6138446"/>
-            <a:ext cx="3810000" cy="338554"/>
-          </a:xfrm>
-        </p:spPr>
-        <p:txBody>
-          <a:bodyPr/>
-          <a:lstStyle/>
-          <a:p>
-            <a:r>
-              <a:rPr lang="en-US" dirty="0" smtClean="0">
-                <a:hlinkClick r:id="rId4"/>
-              </a:rPr>
-              <a:t>academy.telerik.com</a:t>
-            </a:r>
-            <a:r>
-              <a:rPr lang="en-US" dirty="0" smtClean="0"/>
-              <a:t>   </a:t>
-            </a:r>
-            <a:endParaRPr lang="en-US" dirty="0"/>
-          </a:p>
-        </p:txBody>
-      </p:sp>
-      <p:sp>
-        <p:nvSpPr>
-          <p:cNvPr id="4" name="Text Placeholder 3"/>
-          <p:cNvSpPr>
-            <a:spLocks noGrp="1"/>
-          </p:cNvSpPr>
-          <p:nvPr>
-            <p:ph type="body" sz="quarter" idx="13"/>
-          </p:nvPr>
-        </p:nvSpPr>
-        <p:spPr>
-          <a:xfrm>
-            <a:off x="431800" y="5029200"/>
-            <a:ext cx="3838864" cy="461665"/>
-          </a:xfrm>
-        </p:spPr>
-        <p:txBody>
-          <a:bodyPr/>
-          <a:lstStyle/>
-          <a:p>
-            <a:r>
-              <a:rPr lang="en-US" dirty="0" smtClean="0"/>
-              <a:t>Technical Trainer</a:t>
-            </a:r>
-            <a:endParaRPr lang="en-US" dirty="0"/>
-          </a:p>
-        </p:txBody>
-      </p:sp>
-      <p:sp>
-        <p:nvSpPr>
-          <p:cNvPr id="6" name="Text Placeholder 5"/>
-          <p:cNvSpPr>
-            <a:spLocks noGrp="1"/>
-          </p:cNvSpPr>
-          <p:nvPr>
-            <p:ph type="body" sz="quarter" idx="14"/>
-          </p:nvPr>
-        </p:nvSpPr>
-        <p:spPr>
-          <a:xfrm>
-            <a:off x="457200" y="5405735"/>
-            <a:ext cx="3810000" cy="369332"/>
-          </a:xfrm>
-        </p:spPr>
-        <p:txBody>
-          <a:bodyPr/>
-          <a:lstStyle/>
-          <a:p>
-            <a:r>
-              <a:rPr lang="en-US" sz="1800" dirty="0" smtClean="0">
-                <a:hlinkClick r:id="rId5"/>
-              </a:rPr>
-              <a:t>www.nakov.com</a:t>
-            </a:r>
-            <a:endParaRPr lang="en-US" sz="1800" dirty="0"/>
-          </a:p>
-        </p:txBody>
-      </p:sp>
       <p:pic>
         <p:nvPicPr>
           <p:cNvPr id="19" name="Picture 18">
-            <a:hlinkClick r:id="rId6"/>
+            <a:hlinkClick r:id="rId4"/>
           </p:cNvPr>
           <p:cNvPicPr>
             <a:picLocks noChangeAspect="1"/>
@@ -7051,7 +6903,7 @@
           <p:nvPr/>
         </p:nvPicPr>
         <p:blipFill>
-          <a:blip r:embed="rId7" cstate="screen">
+          <a:blip r:embed="rId5" cstate="screen">
             <a:extLst>
               <a:ext uri="{28A0092B-C50C-407E-A947-70E740481C1C}">
                 <a14:useLocalDpi xmlns:a14="http://schemas.microsoft.com/office/drawing/2010/main"/>
@@ -7064,7 +6916,7 @@
         </p:blipFill>
         <p:spPr>
           <a:xfrm>
-            <a:off x="3657600" y="4743339"/>
+            <a:off x="4944967" y="4874088"/>
             <a:ext cx="1487756" cy="1418452"/>
           </a:xfrm>
           <a:prstGeom prst="rect">
@@ -7141,16 +6993,16 @@
           <p:nvPr/>
         </p:nvPicPr>
         <p:blipFill>
-          <a:blip r:embed="rId8" cstate="screen"/>
+          <a:blip r:embed="rId6" cstate="screen"/>
           <a:srcRect/>
           <a:stretch>
             <a:fillRect/>
           </a:stretch>
         </p:blipFill>
         <p:spPr bwMode="auto">
-          <a:xfrm>
-            <a:off x="5683404" y="4572000"/>
-            <a:ext cx="2876550" cy="1761131"/>
+          <a:xfrm rot="20405521">
+            <a:off x="6573764" y="4713014"/>
+            <a:ext cx="2088950" cy="1278933"/>
           </a:xfrm>
           <a:prstGeom prst="roundRect">
             <a:avLst>
@@ -7169,7 +7021,7 @@
           <p:nvPr/>
         </p:nvPicPr>
         <p:blipFill>
-          <a:blip r:embed="rId9" cstate="screen"/>
+          <a:blip r:embed="rId7" cstate="screen"/>
           <a:srcRect/>
           <a:stretch>
             <a:fillRect/>
@@ -7197,7 +7049,7 @@
           <p:nvPr/>
         </p:nvPicPr>
         <p:blipFill>
-          <a:blip r:embed="rId10">
+          <a:blip r:embed="rId8">
             <a:extLst>
               <a:ext uri="{28A0092B-C50C-407E-A947-70E740481C1C}">
                 <a14:useLocalDpi xmlns:a14="http://schemas.microsoft.com/office/drawing/2010/main"/>
@@ -7252,6 +7104,121 @@
           </a:extLst>
         </p:spPr>
       </p:pic>
+      <p:sp>
+        <p:nvSpPr>
+          <p:cNvPr id="20" name="Text Placeholder 27"/>
+          <p:cNvSpPr>
+            <a:spLocks noGrp="1"/>
+          </p:cNvSpPr>
+          <p:nvPr>
+            <p:ph type="body" sz="quarter" idx="12"/>
+          </p:nvPr>
+        </p:nvSpPr>
+        <p:spPr>
+          <a:xfrm>
+            <a:off x="457199" y="5121649"/>
+            <a:ext cx="4621676" cy="461665"/>
+          </a:xfrm>
+        </p:spPr>
+        <p:txBody>
+          <a:bodyPr/>
+          <a:lstStyle/>
+          <a:p>
+            <a:pPr marL="0" indent="0" eaLnBrk="1" hangingPunct="1">
+              <a:spcBef>
+                <a:spcPct val="20000"/>
+              </a:spcBef>
+            </a:pPr>
+            <a:r>
+              <a:rPr lang="en-US" sz="2400" dirty="0">
+                <a:solidFill>
+                  <a:schemeClr val="tx2">
+                    <a:lumMod val="50000"/>
+                  </a:schemeClr>
+                </a:solidFill>
+              </a:rPr>
+              <a:t>Data Structures and Algorithms</a:t>
+            </a:r>
+          </a:p>
+        </p:txBody>
+      </p:sp>
+      <p:sp>
+        <p:nvSpPr>
+          <p:cNvPr id="21" name="Text Placeholder 28"/>
+          <p:cNvSpPr>
+            <a:spLocks noGrp="1"/>
+          </p:cNvSpPr>
+          <p:nvPr>
+            <p:ph type="body" sz="quarter" idx="10"/>
+          </p:nvPr>
+        </p:nvSpPr>
+        <p:spPr>
+          <a:xfrm>
+            <a:off x="457199" y="5496290"/>
+            <a:ext cx="3990513" cy="400110"/>
+          </a:xfrm>
+        </p:spPr>
+        <p:txBody>
+          <a:bodyPr/>
+          <a:lstStyle/>
+          <a:p>
+            <a:pPr eaLnBrk="1" hangingPunct="1">
+              <a:spcBef>
+                <a:spcPct val="20000"/>
+              </a:spcBef>
+            </a:pPr>
+            <a:r>
+              <a:rPr lang="en-US" sz="2000" dirty="0">
+                <a:solidFill>
+                  <a:schemeClr val="tx2">
+                    <a:lumMod val="20000"/>
+                    <a:lumOff val="80000"/>
+                  </a:schemeClr>
+                </a:solidFill>
+              </a:rPr>
+              <a:t>Telerik Software Academy</a:t>
+            </a:r>
+          </a:p>
+        </p:txBody>
+      </p:sp>
+      <p:sp>
+        <p:nvSpPr>
+          <p:cNvPr id="22" name="Text Placeholder 29"/>
+          <p:cNvSpPr>
+            <a:spLocks noGrp="1"/>
+          </p:cNvSpPr>
+          <p:nvPr>
+            <p:ph type="body" sz="quarter" idx="11"/>
+          </p:nvPr>
+        </p:nvSpPr>
+        <p:spPr>
+          <a:xfrm>
+            <a:off x="457199" y="5801090"/>
+            <a:ext cx="3990513" cy="369332"/>
+          </a:xfrm>
+        </p:spPr>
+        <p:txBody>
+          <a:bodyPr/>
+          <a:lstStyle/>
+          <a:p>
+            <a:pPr marL="319088" indent="-319088" eaLnBrk="1" hangingPunct="1">
+              <a:spcBef>
+                <a:spcPct val="20000"/>
+              </a:spcBef>
+            </a:pPr>
+            <a:r>
+              <a:rPr lang="en-US" dirty="0">
+                <a:hlinkClick r:id="rId9"/>
+              </a:rPr>
+              <a:t>http://academy.telerik.com</a:t>
+            </a:r>
+            <a:r>
+              <a:rPr lang="en-US" dirty="0"/>
+              <a:t> </a:t>
+            </a:r>
+          </a:p>
+        </p:txBody>
+      </p:sp>
     </p:spTree>
   </p:cSld>
   <p:clrMapOvr>
